--- a/Data Structures/slides/COM2067_Chapter9.pptx
+++ b/Data Structures/slides/COM2067_Chapter9.pptx
@@ -65,14 +65,14 @@
   <p:notesSz cx="6858000" cy="9144000"/>
   <p:embeddedFontLst>
     <p:embeddedFont>
-      <p:font typeface="Calibri" panose="020F0502020204030204" pitchFamily="34" charset="0"/>
+      <p:font typeface="Century Gothic" panose="020B0502020202020204" pitchFamily="34" charset="0"/>
       <p:regular r:id="rId55"/>
       <p:bold r:id="rId56"/>
       <p:italic r:id="rId57"/>
       <p:boldItalic r:id="rId58"/>
     </p:embeddedFont>
     <p:embeddedFont>
-      <p:font typeface="Century Gothic" panose="020B0502020202020204" pitchFamily="34" charset="0"/>
+      <p:font typeface="Calibri" panose="020F0502020204030204" pitchFamily="34" charset="0"/>
       <p:regular r:id="rId59"/>
       <p:bold r:id="rId60"/>
       <p:italic r:id="rId61"/>
@@ -1291,7 +1291,7 @@
     </p:spTree>
     <p:extLst>
       <p:ext uri="{BB962C8B-B14F-4D97-AF65-F5344CB8AC3E}">
-        <p14:creationId xmlns:p14="http://schemas.microsoft.com/office/powerpoint/2010/main" val="1384182075"/>
+        <p14:creationId xmlns:p14="http://schemas.microsoft.com/office/powerpoint/2010/main" val="2982257663"/>
       </p:ext>
     </p:extLst>
   </p:cSld>
@@ -1627,7 +1627,7 @@
     </p:spTree>
     <p:extLst>
       <p:ext uri="{BB962C8B-B14F-4D97-AF65-F5344CB8AC3E}">
-        <p14:creationId xmlns:p14="http://schemas.microsoft.com/office/powerpoint/2010/main" val="2108024355"/>
+        <p14:creationId xmlns:p14="http://schemas.microsoft.com/office/powerpoint/2010/main" val="3497443902"/>
       </p:ext>
     </p:extLst>
   </p:cSld>
@@ -1796,7 +1796,7 @@
     </p:spTree>
     <p:extLst>
       <p:ext uri="{BB962C8B-B14F-4D97-AF65-F5344CB8AC3E}">
-        <p14:creationId xmlns:p14="http://schemas.microsoft.com/office/powerpoint/2010/main" val="3350084773"/>
+        <p14:creationId xmlns:p14="http://schemas.microsoft.com/office/powerpoint/2010/main" val="2894482548"/>
       </p:ext>
     </p:extLst>
   </p:cSld>
@@ -1965,7 +1965,7 @@
     </p:spTree>
     <p:extLst>
       <p:ext uri="{BB962C8B-B14F-4D97-AF65-F5344CB8AC3E}">
-        <p14:creationId xmlns:p14="http://schemas.microsoft.com/office/powerpoint/2010/main" val="4253609024"/>
+        <p14:creationId xmlns:p14="http://schemas.microsoft.com/office/powerpoint/2010/main" val="1229892075"/>
       </p:ext>
     </p:extLst>
   </p:cSld>
@@ -2134,7 +2134,7 @@
     </p:spTree>
     <p:extLst>
       <p:ext uri="{BB962C8B-B14F-4D97-AF65-F5344CB8AC3E}">
-        <p14:creationId xmlns:p14="http://schemas.microsoft.com/office/powerpoint/2010/main" val="2428519420"/>
+        <p14:creationId xmlns:p14="http://schemas.microsoft.com/office/powerpoint/2010/main" val="1895457390"/>
       </p:ext>
     </p:extLst>
   </p:cSld>
@@ -2303,7 +2303,7 @@
     </p:spTree>
     <p:extLst>
       <p:ext uri="{BB962C8B-B14F-4D97-AF65-F5344CB8AC3E}">
-        <p14:creationId xmlns:p14="http://schemas.microsoft.com/office/powerpoint/2010/main" val="2503679897"/>
+        <p14:creationId xmlns:p14="http://schemas.microsoft.com/office/powerpoint/2010/main" val="180521430"/>
       </p:ext>
     </p:extLst>
   </p:cSld>
@@ -2472,7 +2472,7 @@
     </p:spTree>
     <p:extLst>
       <p:ext uri="{BB962C8B-B14F-4D97-AF65-F5344CB8AC3E}">
-        <p14:creationId xmlns:p14="http://schemas.microsoft.com/office/powerpoint/2010/main" val="2658958085"/>
+        <p14:creationId xmlns:p14="http://schemas.microsoft.com/office/powerpoint/2010/main" val="3003850899"/>
       </p:ext>
     </p:extLst>
   </p:cSld>
@@ -2641,7 +2641,7 @@
     </p:spTree>
     <p:extLst>
       <p:ext uri="{BB962C8B-B14F-4D97-AF65-F5344CB8AC3E}">
-        <p14:creationId xmlns:p14="http://schemas.microsoft.com/office/powerpoint/2010/main" val="2428802859"/>
+        <p14:creationId xmlns:p14="http://schemas.microsoft.com/office/powerpoint/2010/main" val="3422600620"/>
       </p:ext>
     </p:extLst>
   </p:cSld>
@@ -2810,7 +2810,7 @@
     </p:spTree>
     <p:extLst>
       <p:ext uri="{BB962C8B-B14F-4D97-AF65-F5344CB8AC3E}">
-        <p14:creationId xmlns:p14="http://schemas.microsoft.com/office/powerpoint/2010/main" val="4266574427"/>
+        <p14:creationId xmlns:p14="http://schemas.microsoft.com/office/powerpoint/2010/main" val="1615468053"/>
       </p:ext>
     </p:extLst>
   </p:cSld>
@@ -2979,7 +2979,7 @@
     </p:spTree>
     <p:extLst>
       <p:ext uri="{BB962C8B-B14F-4D97-AF65-F5344CB8AC3E}">
-        <p14:creationId xmlns:p14="http://schemas.microsoft.com/office/powerpoint/2010/main" val="1057163323"/>
+        <p14:creationId xmlns:p14="http://schemas.microsoft.com/office/powerpoint/2010/main" val="2953657360"/>
       </p:ext>
     </p:extLst>
   </p:cSld>
@@ -3148,7 +3148,7 @@
     </p:spTree>
     <p:extLst>
       <p:ext uri="{BB962C8B-B14F-4D97-AF65-F5344CB8AC3E}">
-        <p14:creationId xmlns:p14="http://schemas.microsoft.com/office/powerpoint/2010/main" val="4037191513"/>
+        <p14:creationId xmlns:p14="http://schemas.microsoft.com/office/powerpoint/2010/main" val="263740089"/>
       </p:ext>
     </p:extLst>
   </p:cSld>
@@ -3317,7 +3317,7 @@
     </p:spTree>
     <p:extLst>
       <p:ext uri="{BB962C8B-B14F-4D97-AF65-F5344CB8AC3E}">
-        <p14:creationId xmlns:p14="http://schemas.microsoft.com/office/powerpoint/2010/main" val="3966140300"/>
+        <p14:creationId xmlns:p14="http://schemas.microsoft.com/office/powerpoint/2010/main" val="196839578"/>
       </p:ext>
     </p:extLst>
   </p:cSld>
@@ -3426,7 +3426,7 @@
     </p:spTree>
     <p:extLst>
       <p:ext uri="{BB962C8B-B14F-4D97-AF65-F5344CB8AC3E}">
-        <p14:creationId xmlns:p14="http://schemas.microsoft.com/office/powerpoint/2010/main" val="3864312747"/>
+        <p14:creationId xmlns:p14="http://schemas.microsoft.com/office/powerpoint/2010/main" val="2744237338"/>
       </p:ext>
     </p:extLst>
   </p:cSld>
@@ -3595,7 +3595,7 @@
     </p:spTree>
     <p:extLst>
       <p:ext uri="{BB962C8B-B14F-4D97-AF65-F5344CB8AC3E}">
-        <p14:creationId xmlns:p14="http://schemas.microsoft.com/office/powerpoint/2010/main" val="2568812779"/>
+        <p14:creationId xmlns:p14="http://schemas.microsoft.com/office/powerpoint/2010/main" val="764221412"/>
       </p:ext>
     </p:extLst>
   </p:cSld>
@@ -3764,7 +3764,7 @@
     </p:spTree>
     <p:extLst>
       <p:ext uri="{BB962C8B-B14F-4D97-AF65-F5344CB8AC3E}">
-        <p14:creationId xmlns:p14="http://schemas.microsoft.com/office/powerpoint/2010/main" val="2518505439"/>
+        <p14:creationId xmlns:p14="http://schemas.microsoft.com/office/powerpoint/2010/main" val="610846724"/>
       </p:ext>
     </p:extLst>
   </p:cSld>
@@ -3933,7 +3933,7 @@
     </p:spTree>
     <p:extLst>
       <p:ext uri="{BB962C8B-B14F-4D97-AF65-F5344CB8AC3E}">
-        <p14:creationId xmlns:p14="http://schemas.microsoft.com/office/powerpoint/2010/main" val="4188018120"/>
+        <p14:creationId xmlns:p14="http://schemas.microsoft.com/office/powerpoint/2010/main" val="3608384851"/>
       </p:ext>
     </p:extLst>
   </p:cSld>
@@ -4102,7 +4102,7 @@
     </p:spTree>
     <p:extLst>
       <p:ext uri="{BB962C8B-B14F-4D97-AF65-F5344CB8AC3E}">
-        <p14:creationId xmlns:p14="http://schemas.microsoft.com/office/powerpoint/2010/main" val="2149018497"/>
+        <p14:creationId xmlns:p14="http://schemas.microsoft.com/office/powerpoint/2010/main" val="3553059338"/>
       </p:ext>
     </p:extLst>
   </p:cSld>
@@ -4271,7 +4271,7 @@
     </p:spTree>
     <p:extLst>
       <p:ext uri="{BB962C8B-B14F-4D97-AF65-F5344CB8AC3E}">
-        <p14:creationId xmlns:p14="http://schemas.microsoft.com/office/powerpoint/2010/main" val="3642983847"/>
+        <p14:creationId xmlns:p14="http://schemas.microsoft.com/office/powerpoint/2010/main" val="852676911"/>
       </p:ext>
     </p:extLst>
   </p:cSld>
@@ -4440,7 +4440,7 @@
     </p:spTree>
     <p:extLst>
       <p:ext uri="{BB962C8B-B14F-4D97-AF65-F5344CB8AC3E}">
-        <p14:creationId xmlns:p14="http://schemas.microsoft.com/office/powerpoint/2010/main" val="2508998384"/>
+        <p14:creationId xmlns:p14="http://schemas.microsoft.com/office/powerpoint/2010/main" val="882638898"/>
       </p:ext>
     </p:extLst>
   </p:cSld>
@@ -4609,7 +4609,7 @@
     </p:spTree>
     <p:extLst>
       <p:ext uri="{BB962C8B-B14F-4D97-AF65-F5344CB8AC3E}">
-        <p14:creationId xmlns:p14="http://schemas.microsoft.com/office/powerpoint/2010/main" val="3751876560"/>
+        <p14:creationId xmlns:p14="http://schemas.microsoft.com/office/powerpoint/2010/main" val="2688603478"/>
       </p:ext>
     </p:extLst>
   </p:cSld>
@@ -4778,7 +4778,7 @@
     </p:spTree>
     <p:extLst>
       <p:ext uri="{BB962C8B-B14F-4D97-AF65-F5344CB8AC3E}">
-        <p14:creationId xmlns:p14="http://schemas.microsoft.com/office/powerpoint/2010/main" val="1095819712"/>
+        <p14:creationId xmlns:p14="http://schemas.microsoft.com/office/powerpoint/2010/main" val="1832013902"/>
       </p:ext>
     </p:extLst>
   </p:cSld>
@@ -4947,7 +4947,7 @@
     </p:spTree>
     <p:extLst>
       <p:ext uri="{BB962C8B-B14F-4D97-AF65-F5344CB8AC3E}">
-        <p14:creationId xmlns:p14="http://schemas.microsoft.com/office/powerpoint/2010/main" val="3564734133"/>
+        <p14:creationId xmlns:p14="http://schemas.microsoft.com/office/powerpoint/2010/main" val="3019017230"/>
       </p:ext>
     </p:extLst>
   </p:cSld>
@@ -5116,7 +5116,7 @@
     </p:spTree>
     <p:extLst>
       <p:ext uri="{BB962C8B-B14F-4D97-AF65-F5344CB8AC3E}">
-        <p14:creationId xmlns:p14="http://schemas.microsoft.com/office/powerpoint/2010/main" val="2924854186"/>
+        <p14:creationId xmlns:p14="http://schemas.microsoft.com/office/powerpoint/2010/main" val="2886900564"/>
       </p:ext>
     </p:extLst>
   </p:cSld>
@@ -5285,7 +5285,7 @@
     </p:spTree>
     <p:extLst>
       <p:ext uri="{BB962C8B-B14F-4D97-AF65-F5344CB8AC3E}">
-        <p14:creationId xmlns:p14="http://schemas.microsoft.com/office/powerpoint/2010/main" val="2347524468"/>
+        <p14:creationId xmlns:p14="http://schemas.microsoft.com/office/powerpoint/2010/main" val="4276344844"/>
       </p:ext>
     </p:extLst>
   </p:cSld>
@@ -5454,7 +5454,7 @@
     </p:spTree>
     <p:extLst>
       <p:ext uri="{BB962C8B-B14F-4D97-AF65-F5344CB8AC3E}">
-        <p14:creationId xmlns:p14="http://schemas.microsoft.com/office/powerpoint/2010/main" val="1707064769"/>
+        <p14:creationId xmlns:p14="http://schemas.microsoft.com/office/powerpoint/2010/main" val="837032049"/>
       </p:ext>
     </p:extLst>
   </p:cSld>
@@ -5623,7 +5623,7 @@
     </p:spTree>
     <p:extLst>
       <p:ext uri="{BB962C8B-B14F-4D97-AF65-F5344CB8AC3E}">
-        <p14:creationId xmlns:p14="http://schemas.microsoft.com/office/powerpoint/2010/main" val="2058010629"/>
+        <p14:creationId xmlns:p14="http://schemas.microsoft.com/office/powerpoint/2010/main" val="3842795583"/>
       </p:ext>
     </p:extLst>
   </p:cSld>
@@ -5792,7 +5792,7 @@
     </p:spTree>
     <p:extLst>
       <p:ext uri="{BB962C8B-B14F-4D97-AF65-F5344CB8AC3E}">
-        <p14:creationId xmlns:p14="http://schemas.microsoft.com/office/powerpoint/2010/main" val="1314629783"/>
+        <p14:creationId xmlns:p14="http://schemas.microsoft.com/office/powerpoint/2010/main" val="310213891"/>
       </p:ext>
     </p:extLst>
   </p:cSld>
@@ -5961,7 +5961,7 @@
     </p:spTree>
     <p:extLst>
       <p:ext uri="{BB962C8B-B14F-4D97-AF65-F5344CB8AC3E}">
-        <p14:creationId xmlns:p14="http://schemas.microsoft.com/office/powerpoint/2010/main" val="1227227363"/>
+        <p14:creationId xmlns:p14="http://schemas.microsoft.com/office/powerpoint/2010/main" val="1613693598"/>
       </p:ext>
     </p:extLst>
   </p:cSld>
@@ -6130,7 +6130,7 @@
     </p:spTree>
     <p:extLst>
       <p:ext uri="{BB962C8B-B14F-4D97-AF65-F5344CB8AC3E}">
-        <p14:creationId xmlns:p14="http://schemas.microsoft.com/office/powerpoint/2010/main" val="1270645005"/>
+        <p14:creationId xmlns:p14="http://schemas.microsoft.com/office/powerpoint/2010/main" val="3062339443"/>
       </p:ext>
     </p:extLst>
   </p:cSld>
@@ -6299,7 +6299,7 @@
     </p:spTree>
     <p:extLst>
       <p:ext uri="{BB962C8B-B14F-4D97-AF65-F5344CB8AC3E}">
-        <p14:creationId xmlns:p14="http://schemas.microsoft.com/office/powerpoint/2010/main" val="3657697053"/>
+        <p14:creationId xmlns:p14="http://schemas.microsoft.com/office/powerpoint/2010/main" val="2839007501"/>
       </p:ext>
     </p:extLst>
   </p:cSld>
@@ -6468,7 +6468,7 @@
     </p:spTree>
     <p:extLst>
       <p:ext uri="{BB962C8B-B14F-4D97-AF65-F5344CB8AC3E}">
-        <p14:creationId xmlns:p14="http://schemas.microsoft.com/office/powerpoint/2010/main" val="2227657772"/>
+        <p14:creationId xmlns:p14="http://schemas.microsoft.com/office/powerpoint/2010/main" val="105727724"/>
       </p:ext>
     </p:extLst>
   </p:cSld>
@@ -6637,7 +6637,7 @@
     </p:spTree>
     <p:extLst>
       <p:ext uri="{BB962C8B-B14F-4D97-AF65-F5344CB8AC3E}">
-        <p14:creationId xmlns:p14="http://schemas.microsoft.com/office/powerpoint/2010/main" val="3154007302"/>
+        <p14:creationId xmlns:p14="http://schemas.microsoft.com/office/powerpoint/2010/main" val="4013368605"/>
       </p:ext>
     </p:extLst>
   </p:cSld>
@@ -6806,7 +6806,7 @@
     </p:spTree>
     <p:extLst>
       <p:ext uri="{BB962C8B-B14F-4D97-AF65-F5344CB8AC3E}">
-        <p14:creationId xmlns:p14="http://schemas.microsoft.com/office/powerpoint/2010/main" val="17992652"/>
+        <p14:creationId xmlns:p14="http://schemas.microsoft.com/office/powerpoint/2010/main" val="1823270455"/>
       </p:ext>
     </p:extLst>
   </p:cSld>
@@ -6975,7 +6975,7 @@
     </p:spTree>
     <p:extLst>
       <p:ext uri="{BB962C8B-B14F-4D97-AF65-F5344CB8AC3E}">
-        <p14:creationId xmlns:p14="http://schemas.microsoft.com/office/powerpoint/2010/main" val="2443416288"/>
+        <p14:creationId xmlns:p14="http://schemas.microsoft.com/office/powerpoint/2010/main" val="317140016"/>
       </p:ext>
     </p:extLst>
   </p:cSld>
@@ -7144,7 +7144,7 @@
     </p:spTree>
     <p:extLst>
       <p:ext uri="{BB962C8B-B14F-4D97-AF65-F5344CB8AC3E}">
-        <p14:creationId xmlns:p14="http://schemas.microsoft.com/office/powerpoint/2010/main" val="1326045430"/>
+        <p14:creationId xmlns:p14="http://schemas.microsoft.com/office/powerpoint/2010/main" val="1163659297"/>
       </p:ext>
     </p:extLst>
   </p:cSld>
@@ -7313,7 +7313,7 @@
     </p:spTree>
     <p:extLst>
       <p:ext uri="{BB962C8B-B14F-4D97-AF65-F5344CB8AC3E}">
-        <p14:creationId xmlns:p14="http://schemas.microsoft.com/office/powerpoint/2010/main" val="1594190627"/>
+        <p14:creationId xmlns:p14="http://schemas.microsoft.com/office/powerpoint/2010/main" val="4111765966"/>
       </p:ext>
     </p:extLst>
   </p:cSld>
@@ -7482,7 +7482,7 @@
     </p:spTree>
     <p:extLst>
       <p:ext uri="{BB962C8B-B14F-4D97-AF65-F5344CB8AC3E}">
-        <p14:creationId xmlns:p14="http://schemas.microsoft.com/office/powerpoint/2010/main" val="1171219633"/>
+        <p14:creationId xmlns:p14="http://schemas.microsoft.com/office/powerpoint/2010/main" val="3380852289"/>
       </p:ext>
     </p:extLst>
   </p:cSld>
@@ -7651,7 +7651,7 @@
     </p:spTree>
     <p:extLst>
       <p:ext uri="{BB962C8B-B14F-4D97-AF65-F5344CB8AC3E}">
-        <p14:creationId xmlns:p14="http://schemas.microsoft.com/office/powerpoint/2010/main" val="1400999709"/>
+        <p14:creationId xmlns:p14="http://schemas.microsoft.com/office/powerpoint/2010/main" val="1455128327"/>
       </p:ext>
     </p:extLst>
   </p:cSld>
@@ -7820,7 +7820,7 @@
     </p:spTree>
     <p:extLst>
       <p:ext uri="{BB962C8B-B14F-4D97-AF65-F5344CB8AC3E}">
-        <p14:creationId xmlns:p14="http://schemas.microsoft.com/office/powerpoint/2010/main" val="1404083765"/>
+        <p14:creationId xmlns:p14="http://schemas.microsoft.com/office/powerpoint/2010/main" val="884852532"/>
       </p:ext>
     </p:extLst>
   </p:cSld>
@@ -7989,7 +7989,7 @@
     </p:spTree>
     <p:extLst>
       <p:ext uri="{BB962C8B-B14F-4D97-AF65-F5344CB8AC3E}">
-        <p14:creationId xmlns:p14="http://schemas.microsoft.com/office/powerpoint/2010/main" val="1178867462"/>
+        <p14:creationId xmlns:p14="http://schemas.microsoft.com/office/powerpoint/2010/main" val="2159485638"/>
       </p:ext>
     </p:extLst>
   </p:cSld>
@@ -8158,7 +8158,7 @@
     </p:spTree>
     <p:extLst>
       <p:ext uri="{BB962C8B-B14F-4D97-AF65-F5344CB8AC3E}">
-        <p14:creationId xmlns:p14="http://schemas.microsoft.com/office/powerpoint/2010/main" val="291744945"/>
+        <p14:creationId xmlns:p14="http://schemas.microsoft.com/office/powerpoint/2010/main" val="542689763"/>
       </p:ext>
     </p:extLst>
   </p:cSld>
@@ -8327,7 +8327,7 @@
     </p:spTree>
     <p:extLst>
       <p:ext uri="{BB962C8B-B14F-4D97-AF65-F5344CB8AC3E}">
-        <p14:creationId xmlns:p14="http://schemas.microsoft.com/office/powerpoint/2010/main" val="4098202051"/>
+        <p14:creationId xmlns:p14="http://schemas.microsoft.com/office/powerpoint/2010/main" val="1367092184"/>
       </p:ext>
     </p:extLst>
   </p:cSld>
@@ -8496,7 +8496,7 @@
     </p:spTree>
     <p:extLst>
       <p:ext uri="{BB962C8B-B14F-4D97-AF65-F5344CB8AC3E}">
-        <p14:creationId xmlns:p14="http://schemas.microsoft.com/office/powerpoint/2010/main" val="678358022"/>
+        <p14:creationId xmlns:p14="http://schemas.microsoft.com/office/powerpoint/2010/main" val="3841656057"/>
       </p:ext>
     </p:extLst>
   </p:cSld>
@@ -8665,7 +8665,7 @@
     </p:spTree>
     <p:extLst>
       <p:ext uri="{BB962C8B-B14F-4D97-AF65-F5344CB8AC3E}">
-        <p14:creationId xmlns:p14="http://schemas.microsoft.com/office/powerpoint/2010/main" val="398118465"/>
+        <p14:creationId xmlns:p14="http://schemas.microsoft.com/office/powerpoint/2010/main" val="4248546657"/>
       </p:ext>
     </p:extLst>
   </p:cSld>
@@ -8834,7 +8834,7 @@
     </p:spTree>
     <p:extLst>
       <p:ext uri="{BB962C8B-B14F-4D97-AF65-F5344CB8AC3E}">
-        <p14:creationId xmlns:p14="http://schemas.microsoft.com/office/powerpoint/2010/main" val="802116745"/>
+        <p14:creationId xmlns:p14="http://schemas.microsoft.com/office/powerpoint/2010/main" val="4199220872"/>
       </p:ext>
     </p:extLst>
   </p:cSld>
@@ -9003,7 +9003,7 @@
     </p:spTree>
     <p:extLst>
       <p:ext uri="{BB962C8B-B14F-4D97-AF65-F5344CB8AC3E}">
-        <p14:creationId xmlns:p14="http://schemas.microsoft.com/office/powerpoint/2010/main" val="3735459035"/>
+        <p14:creationId xmlns:p14="http://schemas.microsoft.com/office/powerpoint/2010/main" val="3502649031"/>
       </p:ext>
     </p:extLst>
   </p:cSld>
@@ -9172,7 +9172,7 @@
     </p:spTree>
     <p:extLst>
       <p:ext uri="{BB962C8B-B14F-4D97-AF65-F5344CB8AC3E}">
-        <p14:creationId xmlns:p14="http://schemas.microsoft.com/office/powerpoint/2010/main" val="2523526826"/>
+        <p14:creationId xmlns:p14="http://schemas.microsoft.com/office/powerpoint/2010/main" val="2039885472"/>
       </p:ext>
     </p:extLst>
   </p:cSld>
@@ -9341,7 +9341,7 @@
     </p:spTree>
     <p:extLst>
       <p:ext uri="{BB962C8B-B14F-4D97-AF65-F5344CB8AC3E}">
-        <p14:creationId xmlns:p14="http://schemas.microsoft.com/office/powerpoint/2010/main" val="3037244348"/>
+        <p14:creationId xmlns:p14="http://schemas.microsoft.com/office/powerpoint/2010/main" val="1556691682"/>
       </p:ext>
     </p:extLst>
   </p:cSld>
@@ -9510,7 +9510,7 @@
     </p:spTree>
     <p:extLst>
       <p:ext uri="{BB962C8B-B14F-4D97-AF65-F5344CB8AC3E}">
-        <p14:creationId xmlns:p14="http://schemas.microsoft.com/office/powerpoint/2010/main" val="1510849390"/>
+        <p14:creationId xmlns:p14="http://schemas.microsoft.com/office/powerpoint/2010/main" val="1131858621"/>
       </p:ext>
     </p:extLst>
   </p:cSld>
@@ -9679,7 +9679,7 @@
     </p:spTree>
     <p:extLst>
       <p:ext uri="{BB962C8B-B14F-4D97-AF65-F5344CB8AC3E}">
-        <p14:creationId xmlns:p14="http://schemas.microsoft.com/office/powerpoint/2010/main" val="3885935551"/>
+        <p14:creationId xmlns:p14="http://schemas.microsoft.com/office/powerpoint/2010/main" val="2320049781"/>
       </p:ext>
     </p:extLst>
   </p:cSld>
@@ -9848,7 +9848,7 @@
     </p:spTree>
     <p:extLst>
       <p:ext uri="{BB962C8B-B14F-4D97-AF65-F5344CB8AC3E}">
-        <p14:creationId xmlns:p14="http://schemas.microsoft.com/office/powerpoint/2010/main" val="330150440"/>
+        <p14:creationId xmlns:p14="http://schemas.microsoft.com/office/powerpoint/2010/main" val="2306706087"/>
       </p:ext>
     </p:extLst>
   </p:cSld>
@@ -10017,7 +10017,7 @@
     </p:spTree>
     <p:extLst>
       <p:ext uri="{BB962C8B-B14F-4D97-AF65-F5344CB8AC3E}">
-        <p14:creationId xmlns:p14="http://schemas.microsoft.com/office/powerpoint/2010/main" val="3147470861"/>
+        <p14:creationId xmlns:p14="http://schemas.microsoft.com/office/powerpoint/2010/main" val="2526530437"/>
       </p:ext>
     </p:extLst>
   </p:cSld>
@@ -10186,7 +10186,7 @@
     </p:spTree>
     <p:extLst>
       <p:ext uri="{BB962C8B-B14F-4D97-AF65-F5344CB8AC3E}">
-        <p14:creationId xmlns:p14="http://schemas.microsoft.com/office/powerpoint/2010/main" val="8789014"/>
+        <p14:creationId xmlns:p14="http://schemas.microsoft.com/office/powerpoint/2010/main" val="402864439"/>
       </p:ext>
     </p:extLst>
   </p:cSld>
@@ -29781,8 +29781,8 @@
               <a:buNone/>
             </a:pPr>
             <a:r>
-              <a:rPr lang="tr-TR" smtClean="0"/>
-              <a:t>COM2067</a:t>
+              <a:rPr lang="tr-TR" dirty="0" smtClean="0"/>
+              <a:t>COM2067/ COM267</a:t>
             </a:r>
             <a:endParaRPr dirty="0"/>
           </a:p>
@@ -29828,37 +29828,27 @@
               <a:buNone/>
             </a:pPr>
             <a:r>
-              <a:rPr lang="tr-TR" dirty="0"/>
-              <a:t>Chapter 9: </a:t>
-            </a:r>
-            <a:r>
-              <a:rPr lang="tr-TR" dirty="0" smtClean="0"/>
-              <a:t>Trees</a:t>
-            </a:r>
-          </a:p>
-          <a:p>
-            <a:pPr marL="0" indent="0">
-              <a:spcBef>
-                <a:spcPts val="0"/>
-              </a:spcBef>
-            </a:pPr>
-            <a:r>
-              <a:rPr lang="en-US" b="1"/>
+              <a:rPr lang="tr-TR"/>
+              <a:t>Chapter 9: Trees</a:t>
+            </a:r>
+            <a:endParaRPr/>
+          </a:p>
+          <a:p>
+            <a:pPr marL="0" lvl="0" indent="0" algn="l" rtl="0">
+              <a:spcBef>
+                <a:spcPts val="360"/>
+              </a:spcBef>
+              <a:spcAft>
+                <a:spcPts val="0"/>
+              </a:spcAft>
+              <a:buSzPts val="1368"/>
+              <a:buNone/>
+            </a:pPr>
+            <a:r>
+              <a:rPr lang="tr-TR" b="1"/>
               <a:t>Data Structures Using C, Second Edition</a:t>
             </a:r>
-          </a:p>
-          <a:p>
-            <a:pPr marL="0" lvl="0" indent="0" algn="l" rtl="0">
-              <a:spcBef>
-                <a:spcPts val="0"/>
-              </a:spcBef>
-              <a:spcAft>
-                <a:spcPts val="0"/>
-              </a:spcAft>
-              <a:buSzPts val="1368"/>
-              <a:buNone/>
-            </a:pPr>
-            <a:endParaRPr dirty="0"/>
+            <a:endParaRPr b="1"/>
           </a:p>
         </p:txBody>
       </p:sp>
@@ -35218,10 +35208,10 @@
               <a:buChar char="🞇"/>
             </a:pPr>
             <a:r>
-              <a:rPr lang="tr-TR" sz="2040" b="1" i="1"/>
+              <a:rPr lang="tr-TR" sz="2040" b="1" i="1" dirty="0"/>
               <a:t>Representation of Binary Trees in the Memory</a:t>
             </a:r>
-            <a:endParaRPr sz="2040" b="1" i="1"/>
+            <a:endParaRPr sz="2040" b="1" i="1" dirty="0"/>
           </a:p>
           <a:p>
             <a:pPr marL="640080" lvl="1" indent="-274320" algn="l" rtl="0">
@@ -35238,18 +35228,18 @@
               <a:buChar char="🞇"/>
             </a:pPr>
             <a:r>
-              <a:rPr lang="tr-TR" sz="1870" b="1" i="1"/>
+              <a:rPr lang="tr-TR" sz="1870" b="1" i="1" dirty="0"/>
               <a:t>Sequential representation of binary trees </a:t>
             </a:r>
             <a:r>
-              <a:rPr lang="tr-TR" sz="1870" i="1"/>
+              <a:rPr lang="tr-TR" sz="1870" i="1" dirty="0"/>
               <a:t>Sequential representation </a:t>
             </a:r>
             <a:r>
-              <a:rPr lang="tr-TR" sz="1870"/>
+              <a:rPr lang="tr-TR" sz="1870" dirty="0"/>
               <a:t>of trees is done using single or one-dimensional arrays.</a:t>
             </a:r>
-            <a:endParaRPr sz="1870"/>
+            <a:endParaRPr sz="1870" dirty="0"/>
           </a:p>
           <a:p>
             <a:pPr marL="640080" lvl="1" indent="-274320" algn="l" rtl="0">
@@ -35266,10 +35256,10 @@
               <a:buChar char="🞇"/>
             </a:pPr>
             <a:r>
-              <a:rPr lang="tr-TR" sz="1870"/>
+              <a:rPr lang="tr-TR" sz="1870" dirty="0"/>
               <a:t>Though it is the simplest technique for memory representation, it is inefficient as it requires a lot of memory space. </a:t>
             </a:r>
-            <a:endParaRPr sz="1870"/>
+            <a:endParaRPr sz="1870" dirty="0"/>
           </a:p>
           <a:p>
             <a:pPr marL="640080" lvl="1" indent="-274320" algn="l" rtl="0">
@@ -35286,10 +35276,10 @@
               <a:buChar char="🞇"/>
             </a:pPr>
             <a:r>
-              <a:rPr lang="tr-TR" sz="1870"/>
+              <a:rPr lang="tr-TR" sz="1870" dirty="0"/>
               <a:t>A sequential binary tree follows the following rules: </a:t>
             </a:r>
-            <a:endParaRPr/>
+            <a:endParaRPr dirty="0"/>
           </a:p>
           <a:p>
             <a:pPr marL="914400" lvl="2" indent="-228600" algn="l" rtl="0">
@@ -35306,18 +35296,18 @@
               <a:buChar char="🞇"/>
             </a:pPr>
             <a:r>
-              <a:rPr lang="tr-TR" sz="1700"/>
+              <a:rPr lang="tr-TR" sz="1700" dirty="0"/>
               <a:t>A one-dimensional array, called </a:t>
             </a:r>
             <a:r>
-              <a:rPr lang="tr-TR" sz="1360"/>
+              <a:rPr lang="tr-TR" sz="1360" dirty="0"/>
               <a:t>TREE</a:t>
             </a:r>
             <a:r>
-              <a:rPr lang="tr-TR" sz="1700"/>
+              <a:rPr lang="tr-TR" sz="1700" dirty="0"/>
               <a:t>, is used to store the elements of tree.</a:t>
             </a:r>
-            <a:endParaRPr/>
+            <a:endParaRPr dirty="0"/>
           </a:p>
           <a:p>
             <a:pPr marL="914400" lvl="2" indent="-228600" algn="l" rtl="0">
@@ -35334,18 +35324,18 @@
               <a:buChar char="🞇"/>
             </a:pPr>
             <a:r>
-              <a:rPr lang="tr-TR" sz="1700"/>
+              <a:rPr lang="tr-TR" sz="1700" dirty="0"/>
               <a:t>The root of the tree will be stored in the first location. That is, </a:t>
             </a:r>
             <a:r>
-              <a:rPr lang="tr-TR" sz="1530"/>
+              <a:rPr lang="tr-TR" sz="1530" dirty="0"/>
               <a:t>TREE[1] </a:t>
             </a:r>
             <a:r>
-              <a:rPr lang="tr-TR" sz="1700"/>
+              <a:rPr lang="tr-TR" sz="1700" dirty="0"/>
               <a:t>will store the data of the root element.</a:t>
             </a:r>
-            <a:endParaRPr sz="1700"/>
+            <a:endParaRPr sz="1700" dirty="0"/>
           </a:p>
           <a:p>
             <a:pPr marL="914400" lvl="2" indent="-228600" algn="l" rtl="0">
@@ -35362,22 +35352,22 @@
               <a:buChar char="🞇"/>
             </a:pPr>
             <a:r>
-              <a:rPr lang="tr-TR" sz="1700"/>
+              <a:rPr lang="tr-TR" sz="1700" dirty="0"/>
               <a:t>The children of a node stored in location </a:t>
             </a:r>
             <a:r>
-              <a:rPr lang="tr-TR" sz="1530"/>
+              <a:rPr lang="tr-TR" sz="1530" dirty="0"/>
               <a:t>K </a:t>
             </a:r>
             <a:r>
-              <a:rPr lang="tr-TR" sz="1700"/>
+              <a:rPr lang="tr-TR" sz="1700" dirty="0"/>
               <a:t>will be stored in </a:t>
             </a:r>
             <a:r>
-              <a:rPr lang="tr-TR" sz="1785"/>
+              <a:rPr lang="tr-TR" sz="1785" dirty="0"/>
               <a:t>locations (2 × K) and (2 × K+1).</a:t>
             </a:r>
-            <a:endParaRPr sz="1785"/>
+            <a:endParaRPr sz="1785" dirty="0"/>
           </a:p>
           <a:p>
             <a:pPr marL="914400" lvl="2" indent="-228600" algn="l" rtl="0">
@@ -35394,50 +35384,54 @@
               <a:buChar char="🞇"/>
             </a:pPr>
             <a:r>
-              <a:rPr lang="tr-TR" sz="1700"/>
+              <a:rPr lang="tr-TR" sz="1700" dirty="0"/>
               <a:t>The maximum size of the array </a:t>
             </a:r>
             <a:r>
-              <a:rPr lang="tr-TR" sz="1530"/>
+              <a:rPr lang="tr-TR" sz="1530" dirty="0"/>
               <a:t>TREE </a:t>
             </a:r>
             <a:r>
-              <a:rPr lang="tr-TR" sz="1700"/>
+              <a:rPr lang="tr-TR" sz="1700" dirty="0"/>
               <a:t>is given as </a:t>
             </a:r>
             <a:r>
-              <a:rPr lang="tr-TR" sz="1530"/>
-              <a:t>(2</a:t>
-            </a:r>
-            <a:r>
-              <a:rPr lang="tr-TR" sz="680"/>
+              <a:rPr lang="tr-TR" sz="1700" dirty="0" smtClean="0"/>
+              <a:t> (2</a:t>
+            </a:r>
+            <a:r>
+              <a:rPr lang="tr-TR" sz="1700" baseline="30000" dirty="0" smtClean="0"/>
               <a:t>h</a:t>
             </a:r>
             <a:r>
-              <a:rPr lang="tr-TR" sz="1530"/>
-              <a:t>–1)</a:t>
-            </a:r>
-            <a:r>
-              <a:rPr lang="tr-TR" sz="1700"/>
+              <a:rPr lang="tr-TR" sz="1530" dirty="0" smtClean="0"/>
+              <a:t>–1</a:t>
+            </a:r>
+            <a:r>
+              <a:rPr lang="tr-TR" sz="1530" dirty="0"/>
+              <a:t>)</a:t>
+            </a:r>
+            <a:r>
+              <a:rPr lang="tr-TR" sz="1700" dirty="0"/>
               <a:t>, where </a:t>
             </a:r>
             <a:r>
-              <a:rPr lang="tr-TR" sz="1530"/>
+              <a:rPr lang="tr-TR" sz="1530" dirty="0"/>
               <a:t>h </a:t>
             </a:r>
             <a:r>
-              <a:rPr lang="tr-TR" sz="1700"/>
+              <a:rPr lang="tr-TR" sz="1700" dirty="0"/>
               <a:t>is the </a:t>
             </a:r>
             <a:r>
-              <a:rPr lang="tr-TR" sz="1530"/>
+              <a:rPr lang="tr-TR" sz="1530" dirty="0"/>
               <a:t>height </a:t>
             </a:r>
             <a:r>
-              <a:rPr lang="tr-TR" sz="1700"/>
+              <a:rPr lang="tr-TR" sz="1700" dirty="0"/>
               <a:t>of the tree.</a:t>
             </a:r>
-            <a:endParaRPr sz="1700"/>
+            <a:endParaRPr sz="1700" dirty="0"/>
           </a:p>
           <a:p>
             <a:pPr marL="914400" lvl="2" indent="-228600" algn="l" rtl="0">
@@ -35454,26 +35448,26 @@
               <a:buChar char="🞇"/>
             </a:pPr>
             <a:r>
-              <a:rPr lang="tr-TR" sz="1700"/>
+              <a:rPr lang="tr-TR" sz="1700" dirty="0"/>
               <a:t>An empty tree or sub-tree is specified using </a:t>
             </a:r>
             <a:r>
-              <a:rPr lang="tr-TR" sz="1530"/>
+              <a:rPr lang="tr-TR" sz="1530" dirty="0"/>
               <a:t>NULL</a:t>
             </a:r>
             <a:r>
-              <a:rPr lang="tr-TR" sz="1700"/>
+              <a:rPr lang="tr-TR" sz="1700" dirty="0"/>
               <a:t>. If </a:t>
             </a:r>
             <a:r>
-              <a:rPr lang="tr-TR" sz="1530"/>
+              <a:rPr lang="tr-TR" sz="1530" dirty="0"/>
               <a:t>TREE[1]= NULL</a:t>
             </a:r>
             <a:r>
-              <a:rPr lang="tr-TR" sz="1700"/>
+              <a:rPr lang="tr-TR" sz="1700" dirty="0"/>
               <a:t>, then the tree is empty.</a:t>
             </a:r>
-            <a:endParaRPr/>
+            <a:endParaRPr dirty="0"/>
           </a:p>
           <a:p>
             <a:pPr marL="640080" lvl="1" indent="-274320" algn="l" rtl="0">
@@ -35490,10 +35484,10 @@
               <a:buChar char="🞇"/>
             </a:pPr>
             <a:r>
-              <a:rPr lang="tr-TR" sz="1870"/>
+              <a:rPr lang="tr-TR" sz="1870" dirty="0"/>
               <a:t>Figure given on next slide shows a binary tree and its corresponding sequential representation. The tree has 11 nodes and its height is 4.</a:t>
             </a:r>
-            <a:endParaRPr sz="1870" i="1"/>
+            <a:endParaRPr sz="1870" i="1" dirty="0"/>
           </a:p>
         </p:txBody>
       </p:sp>
@@ -36318,10 +36312,10 @@
               <a:buChar char="🞇"/>
             </a:pPr>
             <a:r>
-              <a:rPr lang="tr-TR" sz="2220" b="1"/>
+              <a:rPr lang="tr-TR" sz="2220" b="1" dirty="0"/>
               <a:t>Expression Trees</a:t>
             </a:r>
-            <a:endParaRPr sz="2220" b="1"/>
+            <a:endParaRPr sz="2220" b="1" dirty="0"/>
           </a:p>
           <a:p>
             <a:pPr marL="640080" lvl="1" indent="-274320" algn="l" rtl="0">
@@ -36338,10 +36332,22 @@
               <a:buChar char="🞇"/>
             </a:pPr>
             <a:r>
+              <a:rPr lang="tr-TR" sz="2035" dirty="0"/>
+              <a:t>Binary trees are widely used to store algebraic expressions. </a:t>
+            </a:r>
+            <a:r>
               <a:rPr lang="tr-TR" sz="2035"/>
-              <a:t>Binary trees are widely used to store algebraic expressions. For example,vconsider the algebraic expression given as:</a:t>
-            </a:r>
-            <a:endParaRPr/>
+              <a:t>For </a:t>
+            </a:r>
+            <a:r>
+              <a:rPr lang="tr-TR" sz="2035" smtClean="0"/>
+              <a:t>example,consider </a:t>
+            </a:r>
+            <a:r>
+              <a:rPr lang="tr-TR" sz="2035"/>
+              <a:t>the algebraic expression given as:</a:t>
+            </a:r>
+            <a:endParaRPr dirty="0"/>
           </a:p>
           <a:p>
             <a:pPr marL="342900" lvl="0" indent="-274320" algn="l" rtl="0">
@@ -36358,10 +36364,10 @@
               <a:buNone/>
             </a:pPr>
             <a:r>
-              <a:rPr lang="tr-TR" sz="2220"/>
+              <a:rPr lang="tr-TR" sz="2220" dirty="0"/>
               <a:t>		Exp = (a – b) + (c * d)</a:t>
             </a:r>
-            <a:endParaRPr/>
+            <a:endParaRPr dirty="0"/>
           </a:p>
           <a:p>
             <a:pPr marL="640080" lvl="1" indent="-274320" algn="l" rtl="0">
@@ -36378,10 +36384,10 @@
               <a:buChar char="🞇"/>
             </a:pPr>
             <a:r>
-              <a:rPr lang="tr-TR" sz="2035"/>
+              <a:rPr lang="tr-TR" sz="2035" dirty="0"/>
               <a:t>This expression can be represented using a binary tree as shown in Figure.</a:t>
             </a:r>
-            <a:endParaRPr sz="2035" b="1"/>
+            <a:endParaRPr sz="2035" b="1" dirty="0"/>
           </a:p>
           <a:p>
             <a:pPr marL="640080" lvl="1" indent="-176110" algn="l" rtl="0">
@@ -36397,7 +36403,7 @@
               <a:buSzPts val="1547"/>
               <a:buNone/>
             </a:pPr>
-            <a:endParaRPr sz="2035" b="1"/>
+            <a:endParaRPr sz="2035" b="1" dirty="0"/>
           </a:p>
         </p:txBody>
       </p:sp>
@@ -42245,10 +42251,10 @@
               <a:buChar char="🞇"/>
             </a:pPr>
             <a:r>
-              <a:rPr lang="tr-TR" sz="2220" b="1"/>
+              <a:rPr lang="tr-TR" sz="2220" b="1" dirty="0"/>
               <a:t>Basic Terminology</a:t>
             </a:r>
-            <a:endParaRPr sz="2220" b="1"/>
+            <a:endParaRPr sz="2220" b="1" dirty="0"/>
           </a:p>
           <a:p>
             <a:pPr marL="640080" lvl="1" indent="-274320" algn="l" rtl="0">
@@ -42265,34 +42271,34 @@
               <a:buChar char="🞇"/>
             </a:pPr>
             <a:r>
-              <a:rPr lang="tr-TR" sz="2035" b="1" i="1"/>
+              <a:rPr lang="tr-TR" sz="2035" b="1" i="1" dirty="0"/>
               <a:t>Root node </a:t>
             </a:r>
             <a:r>
-              <a:rPr lang="tr-TR" sz="2035" i="1"/>
+              <a:rPr lang="tr-TR" sz="2035" i="1" dirty="0"/>
               <a:t>The root node </a:t>
             </a:r>
             <a:r>
-              <a:rPr lang="tr-TR" sz="1480" i="1"/>
+              <a:rPr lang="tr-TR" sz="1480" i="1" dirty="0"/>
               <a:t>R </a:t>
             </a:r>
             <a:r>
-              <a:rPr lang="tr-TR" sz="2035" i="1"/>
+              <a:rPr lang="tr-TR" sz="2035" i="1" dirty="0"/>
               <a:t>is the topmost node in the tree. If </a:t>
             </a:r>
             <a:r>
-              <a:rPr lang="tr-TR" sz="1480" i="1"/>
+              <a:rPr lang="tr-TR" sz="1480" i="1" dirty="0"/>
               <a:t>R = NULL</a:t>
             </a:r>
             <a:r>
-              <a:rPr lang="tr-TR" sz="2035" i="1"/>
+              <a:rPr lang="tr-TR" sz="2035" i="1" dirty="0"/>
               <a:t>, then it means the tree is </a:t>
             </a:r>
             <a:r>
-              <a:rPr lang="tr-TR" sz="2035"/>
+              <a:rPr lang="tr-TR" sz="2035" dirty="0"/>
               <a:t>empty.</a:t>
             </a:r>
-            <a:endParaRPr/>
+            <a:endParaRPr dirty="0"/>
           </a:p>
           <a:p>
             <a:pPr marL="640080" lvl="1" indent="-274320" algn="l" rtl="0">
@@ -42309,74 +42315,74 @@
               <a:buChar char="🞇"/>
             </a:pPr>
             <a:r>
-              <a:rPr lang="tr-TR" sz="2035" b="1" i="1"/>
+              <a:rPr lang="tr-TR" sz="2035" b="1" i="1" dirty="0"/>
               <a:t>Sub-trees</a:t>
             </a:r>
             <a:r>
-              <a:rPr lang="tr-TR" sz="2035" i="1"/>
+              <a:rPr lang="tr-TR" sz="2035" i="1" dirty="0"/>
               <a:t> If the root node </a:t>
             </a:r>
             <a:r>
-              <a:rPr lang="tr-TR" sz="1665" i="1"/>
+              <a:rPr lang="tr-TR" sz="1665" i="1" dirty="0"/>
               <a:t>R </a:t>
             </a:r>
             <a:r>
-              <a:rPr lang="tr-TR" sz="2035" i="1"/>
+              <a:rPr lang="tr-TR" sz="2035" i="1" dirty="0"/>
               <a:t>is not </a:t>
             </a:r>
             <a:r>
-              <a:rPr lang="tr-TR" sz="1665" i="1"/>
+              <a:rPr lang="tr-TR" sz="1665" i="1" dirty="0"/>
               <a:t>NULL</a:t>
             </a:r>
             <a:r>
-              <a:rPr lang="tr-TR" sz="2035" i="1"/>
+              <a:rPr lang="tr-TR" sz="2035" i="1" dirty="0"/>
               <a:t>, then the trees </a:t>
             </a:r>
             <a:r>
-              <a:rPr lang="tr-TR" sz="1665" i="1"/>
+              <a:rPr lang="tr-TR" sz="1665" i="1" dirty="0"/>
               <a:t>T</a:t>
             </a:r>
             <a:r>
-              <a:rPr lang="tr-TR" sz="740" i="1"/>
+              <a:rPr lang="tr-TR" sz="740" i="1" dirty="0"/>
               <a:t>1</a:t>
             </a:r>
             <a:r>
-              <a:rPr lang="tr-TR" sz="1665" i="1"/>
+              <a:rPr lang="tr-TR" sz="1665" i="1" dirty="0"/>
               <a:t>, T</a:t>
             </a:r>
             <a:r>
-              <a:rPr lang="tr-TR" sz="740" i="1"/>
+              <a:rPr lang="tr-TR" sz="740" i="1" dirty="0"/>
               <a:t>2</a:t>
             </a:r>
             <a:r>
-              <a:rPr lang="tr-TR" sz="1665" i="1"/>
+              <a:rPr lang="tr-TR" sz="1665" i="1" dirty="0"/>
               <a:t>, </a:t>
             </a:r>
             <a:r>
-              <a:rPr lang="tr-TR" sz="2035" i="1"/>
+              <a:rPr lang="tr-TR" sz="2035" i="1" dirty="0"/>
               <a:t>and </a:t>
             </a:r>
             <a:r>
-              <a:rPr lang="tr-TR" sz="1665" i="1"/>
+              <a:rPr lang="tr-TR" sz="1665" i="1" dirty="0"/>
               <a:t>T</a:t>
             </a:r>
             <a:r>
-              <a:rPr lang="tr-TR" sz="740" i="1"/>
+              <a:rPr lang="tr-TR" sz="740" i="1" dirty="0"/>
               <a:t>3 </a:t>
             </a:r>
             <a:r>
-              <a:rPr lang="tr-TR" sz="2035" i="1"/>
+              <a:rPr lang="tr-TR" sz="2035" i="1" dirty="0"/>
               <a:t>are called the sub-trees of </a:t>
             </a:r>
             <a:r>
-              <a:rPr lang="tr-TR" sz="1665" i="1"/>
+              <a:rPr lang="tr-TR" sz="1665" i="1" dirty="0"/>
               <a:t>R</a:t>
             </a:r>
             <a:r>
-              <a:rPr lang="tr-TR" sz="2035" i="1"/>
+              <a:rPr lang="tr-TR" sz="2035" i="1" dirty="0"/>
               <a:t>.</a:t>
             </a:r>
-            <a:endParaRPr sz="2035" i="1"/>
+            <a:endParaRPr sz="2035" i="1" dirty="0"/>
           </a:p>
           <a:p>
             <a:pPr marL="640080" lvl="1" indent="-274320" algn="l" rtl="0">
@@ -42393,14 +42399,14 @@
               <a:buChar char="🞇"/>
             </a:pPr>
             <a:r>
-              <a:rPr lang="tr-TR" sz="2035" b="1" i="1"/>
+              <a:rPr lang="tr-TR" sz="2035" b="1" i="1" dirty="0"/>
               <a:t>Leaf node </a:t>
             </a:r>
             <a:r>
-              <a:rPr lang="tr-TR" sz="2035" i="1"/>
+              <a:rPr lang="tr-TR" sz="2035" i="1" dirty="0"/>
               <a:t>A node that has no children is called the leaf node or the terminal node.</a:t>
             </a:r>
-            <a:endParaRPr sz="2035" i="1"/>
+            <a:endParaRPr sz="2035" i="1" dirty="0"/>
           </a:p>
           <a:p>
             <a:pPr marL="640080" lvl="1" indent="-274320" algn="l" rtl="0">
@@ -42417,58 +42423,58 @@
               <a:buChar char="🞇"/>
             </a:pPr>
             <a:r>
-              <a:rPr lang="tr-TR" sz="2035" b="1" i="1"/>
+              <a:rPr lang="tr-TR" sz="2035" b="1" i="1" dirty="0"/>
               <a:t>Path</a:t>
             </a:r>
             <a:r>
-              <a:rPr lang="tr-TR" sz="2035" i="1"/>
+              <a:rPr lang="tr-TR" sz="2035" i="1" dirty="0"/>
               <a:t> A sequence of consecutive edges is called a path. For example, in Figure, the path from </a:t>
             </a:r>
             <a:r>
-              <a:rPr lang="tr-TR" sz="2035"/>
+              <a:rPr lang="tr-TR" sz="2035" dirty="0"/>
               <a:t>the root node </a:t>
             </a:r>
             <a:r>
-              <a:rPr lang="tr-TR" sz="1665"/>
+              <a:rPr lang="tr-TR" sz="1665" dirty="0"/>
               <a:t>A </a:t>
             </a:r>
             <a:r>
-              <a:rPr lang="tr-TR" sz="2035"/>
+              <a:rPr lang="tr-TR" sz="2035" dirty="0"/>
               <a:t>to node </a:t>
             </a:r>
             <a:r>
-              <a:rPr lang="tr-TR" sz="1665"/>
+              <a:rPr lang="tr-TR" sz="1665" dirty="0"/>
               <a:t>I </a:t>
             </a:r>
             <a:r>
-              <a:rPr lang="tr-TR" sz="2035"/>
+              <a:rPr lang="tr-TR" sz="2035" dirty="0"/>
               <a:t>is given as: </a:t>
             </a:r>
             <a:r>
-              <a:rPr lang="tr-TR" sz="1665"/>
+              <a:rPr lang="tr-TR" sz="1665" dirty="0"/>
               <a:t>A</a:t>
             </a:r>
             <a:r>
-              <a:rPr lang="tr-TR" sz="2035"/>
+              <a:rPr lang="tr-TR" sz="2035" dirty="0"/>
               <a:t>, </a:t>
             </a:r>
             <a:r>
-              <a:rPr lang="tr-TR" sz="1665"/>
+              <a:rPr lang="tr-TR" sz="1665" dirty="0"/>
               <a:t>D</a:t>
             </a:r>
             <a:r>
-              <a:rPr lang="tr-TR" sz="2035"/>
+              <a:rPr lang="tr-TR" sz="2035" dirty="0"/>
               <a:t>, and </a:t>
             </a:r>
             <a:r>
-              <a:rPr lang="tr-TR" sz="1665"/>
+              <a:rPr lang="tr-TR" sz="1665" dirty="0"/>
               <a:t>I</a:t>
             </a:r>
             <a:r>
-              <a:rPr lang="tr-TR" sz="2035"/>
+              <a:rPr lang="tr-TR" sz="2035" dirty="0"/>
               <a:t>.</a:t>
             </a:r>
-            <a:endParaRPr sz="2035"/>
+            <a:endParaRPr sz="2035" dirty="0"/>
           </a:p>
           <a:p>
             <a:pPr marL="640080" lvl="1" indent="-274320" algn="l" rtl="0">
@@ -42485,50 +42491,50 @@
               <a:buChar char="🞇"/>
             </a:pPr>
             <a:r>
-              <a:rPr lang="tr-TR" sz="2035" b="1" i="1"/>
+              <a:rPr lang="tr-TR" sz="2035" b="1" i="1" dirty="0"/>
               <a:t>Ancestor node </a:t>
             </a:r>
             <a:r>
-              <a:rPr lang="tr-TR" sz="2035" i="1"/>
+              <a:rPr lang="tr-TR" sz="2035" i="1" dirty="0"/>
               <a:t>An ancestor of a node is any predecessor node on the path from root to that </a:t>
             </a:r>
             <a:r>
-              <a:rPr lang="tr-TR" sz="2035"/>
+              <a:rPr lang="tr-TR" sz="2035" dirty="0"/>
               <a:t>node. The root node does not have any ancestors. In the tree given in Figure, nodes </a:t>
             </a:r>
             <a:r>
-              <a:rPr lang="tr-TR" sz="1665"/>
+              <a:rPr lang="tr-TR" sz="1665" dirty="0"/>
               <a:t>A</a:t>
             </a:r>
             <a:r>
-              <a:rPr lang="tr-TR" sz="2035"/>
+              <a:rPr lang="tr-TR" sz="2035" dirty="0"/>
               <a:t>, </a:t>
             </a:r>
             <a:r>
-              <a:rPr lang="tr-TR" sz="1665"/>
+              <a:rPr lang="tr-TR" sz="1665" dirty="0"/>
               <a:t>C</a:t>
             </a:r>
             <a:r>
-              <a:rPr lang="tr-TR" sz="2035"/>
+              <a:rPr lang="tr-TR" sz="2035" dirty="0"/>
               <a:t>, and </a:t>
             </a:r>
             <a:r>
-              <a:rPr lang="tr-TR" sz="1665"/>
+              <a:rPr lang="tr-TR" sz="1665" dirty="0"/>
               <a:t>G </a:t>
             </a:r>
             <a:r>
-              <a:rPr lang="tr-TR" sz="2035"/>
+              <a:rPr lang="tr-TR" sz="2035" dirty="0"/>
               <a:t>are the ancestors of node </a:t>
             </a:r>
             <a:r>
-              <a:rPr lang="tr-TR" sz="1665"/>
+              <a:rPr lang="tr-TR" sz="1665" dirty="0"/>
               <a:t>K</a:t>
             </a:r>
             <a:r>
-              <a:rPr lang="tr-TR" sz="2035"/>
+              <a:rPr lang="tr-TR" sz="2035" dirty="0"/>
               <a:t>.</a:t>
             </a:r>
-            <a:endParaRPr sz="2035"/>
+            <a:endParaRPr sz="2035" dirty="0"/>
           </a:p>
           <a:p>
             <a:pPr marL="640080" lvl="1" indent="-274320" algn="l" rtl="0">
@@ -42545,58 +42551,58 @@
               <a:buChar char="🞇"/>
             </a:pPr>
             <a:r>
-              <a:rPr lang="tr-TR" sz="2035" b="1" i="1"/>
+              <a:rPr lang="tr-TR" sz="2035" b="1" i="1" dirty="0"/>
               <a:t>Descendant node </a:t>
             </a:r>
             <a:r>
-              <a:rPr lang="tr-TR" sz="2035" i="1"/>
+              <a:rPr lang="tr-TR" sz="2035" i="1" dirty="0"/>
               <a:t>A descendant node is any successor node on any path from </a:t>
             </a:r>
             <a:r>
-              <a:rPr lang="tr-TR" sz="2035"/>
+              <a:rPr lang="tr-TR" sz="2035" dirty="0"/>
               <a:t>the node to a leaf node. Leaf nodes do not have any descendants. In the tree given in Figure, nodes </a:t>
             </a:r>
             <a:r>
-              <a:rPr lang="tr-TR" sz="1665"/>
+              <a:rPr lang="tr-TR" sz="1665" dirty="0"/>
               <a:t>C</a:t>
             </a:r>
             <a:r>
-              <a:rPr lang="tr-TR" sz="2035"/>
+              <a:rPr lang="tr-TR" sz="2035" dirty="0"/>
               <a:t>, </a:t>
             </a:r>
             <a:r>
-              <a:rPr lang="tr-TR" sz="1665"/>
+              <a:rPr lang="tr-TR" sz="1665" dirty="0"/>
               <a:t>G</a:t>
             </a:r>
             <a:r>
-              <a:rPr lang="tr-TR" sz="2035"/>
+              <a:rPr lang="tr-TR" sz="2035" dirty="0"/>
               <a:t>, </a:t>
             </a:r>
             <a:r>
-              <a:rPr lang="tr-TR" sz="1665"/>
+              <a:rPr lang="tr-TR" sz="1665" dirty="0"/>
               <a:t>J</a:t>
             </a:r>
             <a:r>
-              <a:rPr lang="tr-TR" sz="2035"/>
+              <a:rPr lang="tr-TR" sz="2035" dirty="0"/>
               <a:t>, and </a:t>
             </a:r>
             <a:r>
-              <a:rPr lang="tr-TR" sz="1665"/>
+              <a:rPr lang="tr-TR" sz="1665" dirty="0"/>
               <a:t>K </a:t>
             </a:r>
             <a:r>
-              <a:rPr lang="tr-TR" sz="2035"/>
+              <a:rPr lang="tr-TR" sz="2035" dirty="0"/>
               <a:t>are the descendants of node </a:t>
             </a:r>
             <a:r>
-              <a:rPr lang="tr-TR" sz="1665"/>
+              <a:rPr lang="tr-TR" sz="1665" dirty="0"/>
               <a:t>A</a:t>
             </a:r>
             <a:r>
-              <a:rPr lang="tr-TR" sz="2035"/>
+              <a:rPr lang="tr-TR" sz="2035" dirty="0"/>
               <a:t>.</a:t>
             </a:r>
-            <a:endParaRPr/>
+            <a:endParaRPr dirty="0"/>
           </a:p>
           <a:p>
             <a:pPr marL="342900" lvl="0" indent="-274320" algn="l" rtl="0">
@@ -42612,7 +42618,7 @@
               <a:buSzPts val="1687"/>
               <a:buNone/>
             </a:pPr>
-            <a:endParaRPr sz="2220"/>
+            <a:endParaRPr sz="2220" dirty="0"/>
           </a:p>
         </p:txBody>
       </p:sp>
@@ -43202,10 +43208,10 @@
               <a:buChar char="🞇"/>
             </a:pPr>
             <a:r>
-              <a:rPr lang="tr-TR" sz="1679" b="1"/>
+              <a:rPr lang="tr-TR" sz="1679" b="1" dirty="0"/>
               <a:t>Constructing a Binary Tree from Traversal Results</a:t>
             </a:r>
-            <a:endParaRPr sz="1679" b="1"/>
+            <a:endParaRPr sz="1679" b="1" dirty="0"/>
           </a:p>
           <a:p>
             <a:pPr marL="640080" lvl="1" indent="-274320" algn="l" rtl="0">
@@ -43222,10 +43228,10 @@
               <a:buChar char="🞇"/>
             </a:pPr>
             <a:r>
-              <a:rPr lang="tr-TR" sz="1540"/>
+              <a:rPr lang="tr-TR" sz="1540" dirty="0"/>
               <a:t>We can construct a binary tree if we are given at least two traversal results. The first traversal must be the in-order traversal and the second can be either pre-order or post-order traversal.</a:t>
             </a:r>
-            <a:endParaRPr sz="1540"/>
+            <a:endParaRPr sz="1540" dirty="0"/>
           </a:p>
           <a:p>
             <a:pPr marL="640080" lvl="1" indent="-274320" algn="l" rtl="0">
@@ -43242,10 +43248,10 @@
               <a:buChar char="🞇"/>
             </a:pPr>
             <a:r>
-              <a:rPr lang="tr-TR" sz="1540"/>
+              <a:rPr lang="tr-TR" sz="1540" dirty="0"/>
               <a:t>The in-order traversal result will be used to determine the left and the right child nodes, and the pre-order/post-order can be used to determine the root node. For example, consider the traversal results given below:</a:t>
             </a:r>
-            <a:endParaRPr/>
+            <a:endParaRPr dirty="0"/>
           </a:p>
           <a:p>
             <a:pPr marL="68580" lvl="0" indent="0" algn="l" rtl="0">
@@ -43262,10 +43268,10 @@
               <a:buNone/>
             </a:pPr>
             <a:r>
-              <a:rPr lang="tr-TR" sz="1679"/>
+              <a:rPr lang="tr-TR" sz="1679" dirty="0"/>
               <a:t>         In–order Traversal: D B E A F C G Pre–order Traversal: A B D E C F G</a:t>
             </a:r>
-            <a:endParaRPr/>
+            <a:endParaRPr dirty="0"/>
           </a:p>
           <a:p>
             <a:pPr marL="640080" lvl="1" indent="-274320" algn="l" rtl="0">
@@ -43282,10 +43288,10 @@
               <a:buChar char="🞇"/>
             </a:pPr>
             <a:r>
-              <a:rPr lang="tr-TR" sz="1540"/>
+              <a:rPr lang="tr-TR" sz="1540" dirty="0"/>
               <a:t>Here, we have the in-order traversal sequence and pre-order traversal sequence. Follow the steps given below to construct the tree:</a:t>
             </a:r>
-            <a:endParaRPr sz="1540"/>
+            <a:endParaRPr sz="1540" dirty="0"/>
           </a:p>
           <a:p>
             <a:pPr marL="640080" lvl="1" indent="-274320" algn="l" rtl="0">
@@ -43302,14 +43308,14 @@
               <a:buChar char="🞇"/>
             </a:pPr>
             <a:r>
-              <a:rPr lang="tr-TR" sz="1540" b="1" i="1"/>
+              <a:rPr lang="tr-TR" sz="1540" b="1" i="1" dirty="0"/>
               <a:t>Step 1 </a:t>
             </a:r>
             <a:r>
-              <a:rPr lang="tr-TR" sz="1540"/>
+              <a:rPr lang="tr-TR" sz="1540" dirty="0"/>
               <a:t>Use the pre-order sequence to determine the root node of the tree. The first element would be the root node.</a:t>
             </a:r>
-            <a:endParaRPr/>
+            <a:endParaRPr dirty="0"/>
           </a:p>
           <a:p>
             <a:pPr marL="640080" lvl="1" indent="-274320" algn="l" rtl="0">
@@ -43326,14 +43332,14 @@
               <a:buChar char="🞇"/>
             </a:pPr>
             <a:r>
-              <a:rPr lang="tr-TR" sz="1540" b="1" i="1"/>
+              <a:rPr lang="tr-TR" sz="1540" b="1" i="1" dirty="0"/>
               <a:t>Step 2 </a:t>
             </a:r>
             <a:r>
-              <a:rPr lang="tr-TR" sz="1540"/>
+              <a:rPr lang="tr-TR" sz="1540" dirty="0"/>
               <a:t>Elements on the left side of the root node in the in-order traversal sequence form the left sub-tree of the root node. Similarly, elements on the right side of the root node in the in-order traversal sequence form the right sub-tree of the root node.</a:t>
             </a:r>
-            <a:endParaRPr/>
+            <a:endParaRPr dirty="0"/>
           </a:p>
           <a:p>
             <a:pPr marL="640080" lvl="1" indent="-274320" algn="l" rtl="0">
@@ -43350,14 +43356,14 @@
               <a:buChar char="🞇"/>
             </a:pPr>
             <a:r>
-              <a:rPr lang="tr-TR" sz="1540" b="1" i="1"/>
+              <a:rPr lang="tr-TR" sz="1540" b="1" i="1" dirty="0"/>
               <a:t>Step 3 </a:t>
             </a:r>
             <a:r>
-              <a:rPr lang="tr-TR" sz="1540"/>
+              <a:rPr lang="tr-TR" sz="1540" dirty="0"/>
               <a:t>Recursively select each element from pre-order traversal sequence and create its left and right sub-trees from the in-order traversal sequence.</a:t>
             </a:r>
-            <a:endParaRPr sz="1540" b="1"/>
+            <a:endParaRPr sz="1540" b="1" dirty="0"/>
           </a:p>
         </p:txBody>
       </p:sp>
@@ -43500,7 +43506,7 @@
         </p:blipFill>
         <p:spPr>
           <a:xfrm>
-            <a:off x="1524000" y="4909875"/>
+            <a:off x="1537063" y="4922938"/>
             <a:ext cx="4101300" cy="1367100"/>
           </a:xfrm>
           <a:prstGeom prst="rect">
@@ -47989,10 +47995,10 @@
               <a:buChar char="🞇"/>
             </a:pPr>
             <a:r>
-              <a:rPr lang="tr-TR" b="1"/>
+              <a:rPr lang="tr-TR" b="1" dirty="0"/>
               <a:t>General trees</a:t>
             </a:r>
-            <a:endParaRPr b="1"/>
+            <a:endParaRPr b="1" dirty="0"/>
           </a:p>
           <a:p>
             <a:pPr marL="640080" lvl="1" indent="-274320" algn="l" rtl="0">
@@ -48006,10 +48012,10 @@
               <a:buChar char="🞇"/>
             </a:pPr>
             <a:r>
-              <a:rPr lang="tr-TR"/>
+              <a:rPr lang="tr-TR" dirty="0"/>
               <a:t>General trees are data structures that store elements hierarchically. </a:t>
             </a:r>
-            <a:endParaRPr/>
+            <a:endParaRPr dirty="0"/>
           </a:p>
           <a:p>
             <a:pPr marL="640080" lvl="1" indent="-274320" algn="l" rtl="0">
@@ -48023,10 +48029,10 @@
               <a:buChar char="🞇"/>
             </a:pPr>
             <a:r>
-              <a:rPr lang="tr-TR"/>
+              <a:rPr lang="tr-TR" dirty="0"/>
               <a:t>The top node of a tree is the root node and each node, except the root, has a parent. </a:t>
             </a:r>
-            <a:endParaRPr/>
+            <a:endParaRPr dirty="0"/>
           </a:p>
           <a:p>
             <a:pPr marL="640080" lvl="1" indent="-274320" algn="l" rtl="0">
@@ -48040,10 +48046,10 @@
               <a:buChar char="🞇"/>
             </a:pPr>
             <a:r>
-              <a:rPr lang="tr-TR"/>
+              <a:rPr lang="tr-TR" dirty="0"/>
               <a:t>A node in a general tree (except the leaf nodes) may have zero or more sub-trees.</a:t>
             </a:r>
-            <a:endParaRPr/>
+            <a:endParaRPr dirty="0"/>
           </a:p>
           <a:p>
             <a:pPr marL="640080" lvl="1" indent="-274320" algn="l" rtl="0">
@@ -48057,10 +48063,10 @@
               <a:buChar char="🞇"/>
             </a:pPr>
             <a:r>
-              <a:rPr lang="tr-TR"/>
+              <a:rPr lang="tr-TR" dirty="0"/>
               <a:t>General trees which have 3 sub-trees per node are called ternary trees. </a:t>
             </a:r>
-            <a:endParaRPr/>
+            <a:endParaRPr dirty="0"/>
           </a:p>
           <a:p>
             <a:pPr marL="640080" lvl="1" indent="-274320" algn="l" rtl="0">
@@ -48074,10 +48080,10 @@
               <a:buChar char="🞇"/>
             </a:pPr>
             <a:r>
-              <a:rPr lang="tr-TR"/>
+              <a:rPr lang="tr-TR" dirty="0"/>
               <a:t>However, the number of sub-trees for any node may be variable. For example, a node can have 1 sub-tree, whereas some other node can have 3 sub-trees.</a:t>
             </a:r>
-            <a:endParaRPr/>
+            <a:endParaRPr dirty="0"/>
           </a:p>
         </p:txBody>
       </p:sp>
